--- a/仕様書ver1.0.0.pptx
+++ b/仕様書ver1.0.0.pptx
@@ -230,7 +230,7 @@
           <a:p>
             <a:fld id="{68F45FD6-5F96-4954-9693-39A662FFDF37}" type="datetimeFigureOut">
               <a:rPr kumimoji="1" lang="ja-JP" altLang="en-US" smtClean="0"/>
-              <a:t>2019/11/20</a:t>
+              <a:t>2019/11/29</a:t>
             </a:fld>
             <a:endParaRPr kumimoji="1" lang="ja-JP" altLang="en-US"/>
           </a:p>
@@ -695,7 +695,7 @@
           <a:p>
             <a:fld id="{345E70DF-F526-4CE1-A376-B65DF366AD36}" type="datetimeFigureOut">
               <a:rPr kumimoji="1" lang="ja-JP" altLang="en-US" smtClean="0"/>
-              <a:t>2019/11/20</a:t>
+              <a:t>2019/11/29</a:t>
             </a:fld>
             <a:endParaRPr kumimoji="1" lang="ja-JP" altLang="en-US" dirty="0"/>
           </a:p>
@@ -925,7 +925,7 @@
           <a:p>
             <a:fld id="{345E70DF-F526-4CE1-A376-B65DF366AD36}" type="datetimeFigureOut">
               <a:rPr kumimoji="1" lang="ja-JP" altLang="en-US" smtClean="0"/>
-              <a:t>2019/11/20</a:t>
+              <a:t>2019/11/29</a:t>
             </a:fld>
             <a:endParaRPr kumimoji="1" lang="ja-JP" altLang="en-US"/>
           </a:p>
@@ -1165,7 +1165,7 @@
           <a:p>
             <a:fld id="{345E70DF-F526-4CE1-A376-B65DF366AD36}" type="datetimeFigureOut">
               <a:rPr kumimoji="1" lang="ja-JP" altLang="en-US" smtClean="0"/>
-              <a:t>2019/11/20</a:t>
+              <a:t>2019/11/29</a:t>
             </a:fld>
             <a:endParaRPr kumimoji="1" lang="ja-JP" altLang="en-US"/>
           </a:p>
@@ -1395,7 +1395,7 @@
           <a:p>
             <a:fld id="{345E70DF-F526-4CE1-A376-B65DF366AD36}" type="datetimeFigureOut">
               <a:rPr kumimoji="1" lang="ja-JP" altLang="en-US" smtClean="0"/>
-              <a:t>2019/11/20</a:t>
+              <a:t>2019/11/29</a:t>
             </a:fld>
             <a:endParaRPr kumimoji="1" lang="ja-JP" altLang="en-US"/>
           </a:p>
@@ -1670,7 +1670,7 @@
           <a:p>
             <a:fld id="{345E70DF-F526-4CE1-A376-B65DF366AD36}" type="datetimeFigureOut">
               <a:rPr kumimoji="1" lang="ja-JP" altLang="en-US" smtClean="0"/>
-              <a:t>2019/11/20</a:t>
+              <a:t>2019/11/29</a:t>
             </a:fld>
             <a:endParaRPr kumimoji="1" lang="ja-JP" altLang="en-US"/>
           </a:p>
@@ -1999,7 +1999,7 @@
           <a:p>
             <a:fld id="{345E70DF-F526-4CE1-A376-B65DF366AD36}" type="datetimeFigureOut">
               <a:rPr kumimoji="1" lang="ja-JP" altLang="en-US" smtClean="0"/>
-              <a:t>2019/11/20</a:t>
+              <a:t>2019/11/29</a:t>
             </a:fld>
             <a:endParaRPr kumimoji="1" lang="ja-JP" altLang="en-US"/>
           </a:p>
@@ -2475,7 +2475,7 @@
           <a:p>
             <a:fld id="{345E70DF-F526-4CE1-A376-B65DF366AD36}" type="datetimeFigureOut">
               <a:rPr kumimoji="1" lang="ja-JP" altLang="en-US" smtClean="0"/>
-              <a:t>2019/11/20</a:t>
+              <a:t>2019/11/29</a:t>
             </a:fld>
             <a:endParaRPr kumimoji="1" lang="ja-JP" altLang="en-US"/>
           </a:p>
@@ -2616,7 +2616,7 @@
           <a:p>
             <a:fld id="{345E70DF-F526-4CE1-A376-B65DF366AD36}" type="datetimeFigureOut">
               <a:rPr kumimoji="1" lang="ja-JP" altLang="en-US" smtClean="0"/>
-              <a:t>2019/11/20</a:t>
+              <a:t>2019/11/29</a:t>
             </a:fld>
             <a:endParaRPr kumimoji="1" lang="ja-JP" altLang="en-US"/>
           </a:p>
@@ -2729,7 +2729,7 @@
           <a:p>
             <a:fld id="{345E70DF-F526-4CE1-A376-B65DF366AD36}" type="datetimeFigureOut">
               <a:rPr kumimoji="1" lang="ja-JP" altLang="en-US" smtClean="0"/>
-              <a:t>2019/11/20</a:t>
+              <a:t>2019/11/29</a:t>
             </a:fld>
             <a:endParaRPr kumimoji="1" lang="ja-JP" altLang="en-US"/>
           </a:p>
@@ -3072,7 +3072,7 @@
           <a:p>
             <a:fld id="{345E70DF-F526-4CE1-A376-B65DF366AD36}" type="datetimeFigureOut">
               <a:rPr kumimoji="1" lang="ja-JP" altLang="en-US" smtClean="0"/>
-              <a:t>2019/11/20</a:t>
+              <a:t>2019/11/29</a:t>
             </a:fld>
             <a:endParaRPr kumimoji="1" lang="ja-JP" altLang="en-US"/>
           </a:p>
@@ -3360,7 +3360,7 @@
           <a:p>
             <a:fld id="{345E70DF-F526-4CE1-A376-B65DF366AD36}" type="datetimeFigureOut">
               <a:rPr kumimoji="1" lang="ja-JP" altLang="en-US" smtClean="0"/>
-              <a:t>2019/11/20</a:t>
+              <a:t>2019/11/29</a:t>
             </a:fld>
             <a:endParaRPr kumimoji="1" lang="ja-JP" altLang="en-US"/>
           </a:p>
@@ -3633,7 +3633,7 @@
           <a:p>
             <a:fld id="{345E70DF-F526-4CE1-A376-B65DF366AD36}" type="datetimeFigureOut">
               <a:rPr kumimoji="1" lang="ja-JP" altLang="en-US" smtClean="0"/>
-              <a:t>2019/11/20</a:t>
+              <a:t>2019/11/29</a:t>
             </a:fld>
             <a:endParaRPr kumimoji="1" lang="ja-JP" altLang="en-US"/>
           </a:p>
@@ -4969,7 +4969,19 @@
             </a:r>
             <a:r>
               <a:rPr lang="en-US" altLang="ja-JP" dirty="0"/>
-              <a:t>)^2 * (</a:t>
+              <a:t>(</a:t>
+            </a:r>
+            <a:r>
+              <a:rPr lang="ja-JP" altLang="en-US"/>
+              <a:t>秒</a:t>
+            </a:r>
+            <a:r>
+              <a:rPr lang="en-US" altLang="ja-JP"/>
+              <a:t>))^</a:t>
+            </a:r>
+            <a:r>
+              <a:rPr lang="en-US" altLang="ja-JP" dirty="0"/>
+              <a:t>2 * (</a:t>
             </a:r>
             <a:r>
               <a:rPr lang="ja-JP" altLang="en-US" dirty="0"/>
